--- a/pics/p2.pptx
+++ b/pics/p2.pptx
@@ -104,6 +104,11 @@
       </a:defRPr>
     </a:lvl9pPr>
   </p:defaultTextStyle>
+  <p:extLst>
+    <p:ext uri="{EFAFB233-063F-42B5-8137-9DF3F51BA10A}">
+      <p15:sldGuideLst xmlns:p15="http://schemas.microsoft.com/office/powerpoint/2012/main"/>
+    </p:ext>
+  </p:extLst>
 </p:presentation>
 </file>
 
@@ -238,7 +243,7 @@
           <a:p>
             <a:fld id="{1B33480F-3F29-1C46-8DC6-2D18124F8AC3}" type="datetimeFigureOut">
               <a:rPr lang="en-US" smtClean="0"/>
-              <a:t>6/13/17</a:t>
+              <a:t>3/11/18</a:t>
             </a:fld>
             <a:endParaRPr lang="en-US"/>
           </a:p>
@@ -408,7 +413,7 @@
           <a:p>
             <a:fld id="{1B33480F-3F29-1C46-8DC6-2D18124F8AC3}" type="datetimeFigureOut">
               <a:rPr lang="en-US" smtClean="0"/>
-              <a:t>6/13/17</a:t>
+              <a:t>3/11/18</a:t>
             </a:fld>
             <a:endParaRPr lang="en-US"/>
           </a:p>
@@ -588,7 +593,7 @@
           <a:p>
             <a:fld id="{1B33480F-3F29-1C46-8DC6-2D18124F8AC3}" type="datetimeFigureOut">
               <a:rPr lang="en-US" smtClean="0"/>
-              <a:t>6/13/17</a:t>
+              <a:t>3/11/18</a:t>
             </a:fld>
             <a:endParaRPr lang="en-US"/>
           </a:p>
@@ -758,7 +763,7 @@
           <a:p>
             <a:fld id="{1B33480F-3F29-1C46-8DC6-2D18124F8AC3}" type="datetimeFigureOut">
               <a:rPr lang="en-US" smtClean="0"/>
-              <a:t>6/13/17</a:t>
+              <a:t>3/11/18</a:t>
             </a:fld>
             <a:endParaRPr lang="en-US"/>
           </a:p>
@@ -1004,7 +1009,7 @@
           <a:p>
             <a:fld id="{1B33480F-3F29-1C46-8DC6-2D18124F8AC3}" type="datetimeFigureOut">
               <a:rPr lang="en-US" smtClean="0"/>
-              <a:t>6/13/17</a:t>
+              <a:t>3/11/18</a:t>
             </a:fld>
             <a:endParaRPr lang="en-US"/>
           </a:p>
@@ -1236,7 +1241,7 @@
           <a:p>
             <a:fld id="{1B33480F-3F29-1C46-8DC6-2D18124F8AC3}" type="datetimeFigureOut">
               <a:rPr lang="en-US" smtClean="0"/>
-              <a:t>6/13/17</a:t>
+              <a:t>3/11/18</a:t>
             </a:fld>
             <a:endParaRPr lang="en-US"/>
           </a:p>
@@ -1603,7 +1608,7 @@
           <a:p>
             <a:fld id="{1B33480F-3F29-1C46-8DC6-2D18124F8AC3}" type="datetimeFigureOut">
               <a:rPr lang="en-US" smtClean="0"/>
-              <a:t>6/13/17</a:t>
+              <a:t>3/11/18</a:t>
             </a:fld>
             <a:endParaRPr lang="en-US"/>
           </a:p>
@@ -1721,7 +1726,7 @@
           <a:p>
             <a:fld id="{1B33480F-3F29-1C46-8DC6-2D18124F8AC3}" type="datetimeFigureOut">
               <a:rPr lang="en-US" smtClean="0"/>
-              <a:t>6/13/17</a:t>
+              <a:t>3/11/18</a:t>
             </a:fld>
             <a:endParaRPr lang="en-US"/>
           </a:p>
@@ -1816,7 +1821,7 @@
           <a:p>
             <a:fld id="{1B33480F-3F29-1C46-8DC6-2D18124F8AC3}" type="datetimeFigureOut">
               <a:rPr lang="en-US" smtClean="0"/>
-              <a:t>6/13/17</a:t>
+              <a:t>3/11/18</a:t>
             </a:fld>
             <a:endParaRPr lang="en-US"/>
           </a:p>
@@ -2093,7 +2098,7 @@
           <a:p>
             <a:fld id="{1B33480F-3F29-1C46-8DC6-2D18124F8AC3}" type="datetimeFigureOut">
               <a:rPr lang="en-US" smtClean="0"/>
-              <a:t>6/13/17</a:t>
+              <a:t>3/11/18</a:t>
             </a:fld>
             <a:endParaRPr lang="en-US"/>
           </a:p>
@@ -2346,7 +2351,7 @@
           <a:p>
             <a:fld id="{1B33480F-3F29-1C46-8DC6-2D18124F8AC3}" type="datetimeFigureOut">
               <a:rPr lang="en-US" smtClean="0"/>
-              <a:t>6/13/17</a:t>
+              <a:t>3/11/18</a:t>
             </a:fld>
             <a:endParaRPr lang="en-US"/>
           </a:p>
@@ -2559,7 +2564,7 @@
           <a:p>
             <a:fld id="{1B33480F-3F29-1C46-8DC6-2D18124F8AC3}" type="datetimeFigureOut">
               <a:rPr lang="en-US" smtClean="0"/>
-              <a:t>6/13/17</a:t>
+              <a:t>3/11/18</a:t>
             </a:fld>
             <a:endParaRPr lang="en-US"/>
           </a:p>
@@ -3054,8 +3059,8 @@
           </a:p>
         </p:txBody>
       </p:sp>
-      <mc:AlternateContent xmlns:mc="http://schemas.openxmlformats.org/markup-compatibility/2006">
-        <mc:Choice xmlns:a14="http://schemas.microsoft.com/office/drawing/2010/main" Requires="a14">
+      <mc:AlternateContent xmlns:mc="http://schemas.openxmlformats.org/markup-compatibility/2006" xmlns:a14="http://schemas.microsoft.com/office/drawing/2010/main">
+        <mc:Choice Requires="a14">
           <p:sp>
             <p:nvSpPr>
               <p:cNvPr id="5" name="Rounded Rectangle 4"/>
@@ -3196,7 +3201,7 @@
             </p:txBody>
           </p:sp>
         </mc:Choice>
-        <mc:Fallback>
+        <mc:Fallback xmlns="">
           <p:sp>
             <p:nvSpPr>
               <p:cNvPr id="5" name="Rounded Rectangle 4"/>
@@ -3235,8 +3240,8 @@
           </p:sp>
         </mc:Fallback>
       </mc:AlternateContent>
-      <mc:AlternateContent xmlns:mc="http://schemas.openxmlformats.org/markup-compatibility/2006">
-        <mc:Choice xmlns:a14="http://schemas.microsoft.com/office/drawing/2010/main" Requires="a14">
+      <mc:AlternateContent xmlns:mc="http://schemas.openxmlformats.org/markup-compatibility/2006" xmlns:a14="http://schemas.microsoft.com/office/drawing/2010/main">
+        <mc:Choice Requires="a14">
           <p:sp>
             <p:nvSpPr>
               <p:cNvPr id="6" name="Rounded Rectangle 5"/>
@@ -3425,7 +3430,7 @@
             </p:txBody>
           </p:sp>
         </mc:Choice>
-        <mc:Fallback>
+        <mc:Fallback xmlns="">
           <p:sp>
             <p:nvSpPr>
               <p:cNvPr id="6" name="Rounded Rectangle 5"/>
@@ -3520,59 +3525,52 @@
               <a:p>
                 <a:pPr algn="ctr"/>
                 <a14:m>
-                  <m:oMathPara xmlns:m="http://schemas.openxmlformats.org/officeDocument/2006/math">
-                    <m:oMathParaPr>
-                      <m:jc m:val="centerGroup"/>
-                    </m:oMathParaPr>
-                    <m:oMath xmlns:m="http://schemas.openxmlformats.org/officeDocument/2006/math">
-                      <m:r>
-                        <a:rPr lang="en-US" altLang="zh-CN" b="0" i="1" smtClean="0">
-                          <a:solidFill>
-                            <a:schemeClr val="tx1"/>
-                          </a:solidFill>
-                          <a:latin typeface="Cambria Math" charset="0"/>
-                        </a:rPr>
-                        <m:t>𝑢</m:t>
-                      </m:r>
-                      <m:r>
-                        <a:rPr lang="en-US" altLang="zh-CN" b="0" i="1" smtClean="0">
-                          <a:solidFill>
-                            <a:schemeClr val="tx1"/>
-                          </a:solidFill>
-                          <a:latin typeface="Cambria Math" charset="0"/>
-                        </a:rPr>
-                        <m:t>=</m:t>
-                      </m:r>
-                      <m:r>
-                        <a:rPr lang="en-US" altLang="zh-CN" b="0" i="1" smtClean="0">
-                          <a:solidFill>
-                            <a:schemeClr val="tx1"/>
-                          </a:solidFill>
-                          <a:latin typeface="Cambria Math" charset="0"/>
-                        </a:rPr>
-                        <m:t>𝑓</m:t>
-                      </m:r>
-                      <m:r>
-                        <a:rPr lang="en-US" altLang="zh-CN" b="0" i="1" smtClean="0">
-                          <a:solidFill>
-                            <a:schemeClr val="tx1"/>
-                          </a:solidFill>
-                          <a:latin typeface="Cambria Math" charset="0"/>
-                        </a:rPr>
-                        <m:t>/</m:t>
-                      </m:r>
-                      <m:r>
-                        <a:rPr lang="en-US" altLang="zh-CN" b="0" i="1" smtClean="0">
-                          <a:solidFill>
-                            <a:schemeClr val="tx1"/>
-                          </a:solidFill>
-                          <a:latin typeface="Cambria Math" charset="0"/>
-                        </a:rPr>
-                        <m:t>𝐾</m:t>
-                      </m:r>
-                    </m:oMath>
-                  </m:oMathPara>
+                  <m:oMath xmlns:m="http://schemas.openxmlformats.org/officeDocument/2006/math">
+                    <m:r>
+                      <a:rPr lang="en-US" altLang="zh-CN" b="0" i="1" smtClean="0">
+                        <a:solidFill>
+                          <a:schemeClr val="tx1"/>
+                        </a:solidFill>
+                        <a:latin typeface="Cambria Math" charset="0"/>
+                      </a:rPr>
+                      <m:t>𝑢</m:t>
+                    </m:r>
+                    <m:r>
+                      <a:rPr lang="en-US" altLang="zh-CN" b="0" i="1" smtClean="0">
+                        <a:solidFill>
+                          <a:schemeClr val="tx1"/>
+                        </a:solidFill>
+                        <a:latin typeface="Cambria Math" charset="0"/>
+                      </a:rPr>
+                      <m:t>=</m:t>
+                    </m:r>
+                    <m:r>
+                      <a:rPr lang="en-US" altLang="zh-CN" b="0" i="1" smtClean="0">
+                        <a:solidFill>
+                          <a:schemeClr val="tx1"/>
+                        </a:solidFill>
+                        <a:latin typeface="Cambria Math" charset="0"/>
+                      </a:rPr>
+                      <m:t>𝐾</m:t>
+                    </m:r>
+                  </m:oMath>
                 </a14:m>
+                <a:r>
+                  <a:rPr lang="en-US" baseline="30000" dirty="0" smtClean="0">
+                    <a:solidFill>
+                      <a:schemeClr val="tx1"/>
+                    </a:solidFill>
+                  </a:rPr>
+                  <a:t>-1</a:t>
+                </a:r>
+                <a:r>
+                  <a:rPr lang="en-US" dirty="0" smtClean="0">
+                    <a:solidFill>
+                      <a:schemeClr val="tx1"/>
+                    </a:solidFill>
+                  </a:rPr>
+                  <a:t>f</a:t>
+                </a:r>
                 <a:endParaRPr lang="en-US" dirty="0">
                   <a:solidFill>
                     <a:schemeClr val="tx1"/>
@@ -3621,8 +3619,8 @@
           </p:sp>
         </mc:Fallback>
       </mc:AlternateContent>
-      <mc:AlternateContent xmlns:mc="http://schemas.openxmlformats.org/markup-compatibility/2006">
-        <mc:Choice xmlns:a14="http://schemas.microsoft.com/office/drawing/2010/main" Requires="a14">
+      <mc:AlternateContent xmlns:mc="http://schemas.openxmlformats.org/markup-compatibility/2006" xmlns:a14="http://schemas.microsoft.com/office/drawing/2010/main">
+        <mc:Choice Requires="a14">
           <p:sp>
             <p:nvSpPr>
               <p:cNvPr id="8" name="Rounded Rectangle 7"/>
@@ -3721,7 +3719,7 @@
             </p:txBody>
           </p:sp>
         </mc:Choice>
-        <mc:Fallback>
+        <mc:Fallback xmlns="">
           <p:sp>
             <p:nvSpPr>
               <p:cNvPr id="8" name="Rounded Rectangle 7"/>
